--- a/Apex_Triggers/Apex _Triggers.pptx
+++ b/Apex_Triggers/Apex _Triggers.pptx
@@ -10,6 +10,8 @@
     <p:sldId id="263" r:id="rId7"/>
     <p:sldId id="265" r:id="rId8"/>
     <p:sldId id="264" r:id="rId9"/>
+    <p:sldId id="266" r:id="rId10"/>
+    <p:sldId id="267" r:id="rId11"/>
   </p:sldIdLst>
   <p:sldSz cx="12192000" cy="6858000"/>
   <p:notesSz cx="6858000" cy="9144000"/>
@@ -4840,13 +4842,13 @@
   <p:clrMapOvr>
     <a:masterClrMapping/>
   </p:clrMapOvr>
-  <mc:AlternateContent xmlns:mc="http://schemas.openxmlformats.org/markup-compatibility/2006">
-    <mc:Choice xmlns:p14="http://schemas.microsoft.com/office/powerpoint/2010/main" Requires="p14">
+  <mc:AlternateContent xmlns:mc="http://schemas.openxmlformats.org/markup-compatibility/2006" xmlns:p14="http://schemas.microsoft.com/office/powerpoint/2010/main">
+    <mc:Choice Requires="p14">
       <p:transition spd="slow" p14:dur="1400">
         <p14:ripple/>
       </p:transition>
     </mc:Choice>
-    <mc:Fallback>
+    <mc:Fallback xmlns="">
       <p:transition spd="slow">
         <p:fade/>
       </p:transition>
@@ -5891,6 +5893,704 @@
 </p:sld>
 </file>
 
+<file path=ppt/slides/slide6.xml><?xml version="1.0" encoding="utf-8"?>
+<p:sld xmlns:a="http://schemas.openxmlformats.org/drawingml/2006/main" xmlns:r="http://schemas.openxmlformats.org/officeDocument/2006/relationships" xmlns:p="http://schemas.openxmlformats.org/presentationml/2006/main">
+  <p:cSld>
+    <p:spTree>
+      <p:nvGrpSpPr>
+        <p:cNvPr id="1" name=""/>
+        <p:cNvGrpSpPr/>
+        <p:nvPr/>
+      </p:nvGrpSpPr>
+      <p:grpSpPr>
+        <a:xfrm>
+          <a:off x="0" y="0"/>
+          <a:ext cx="0" cy="0"/>
+          <a:chOff x="0" y="0"/>
+          <a:chExt cx="0" cy="0"/>
+        </a:xfrm>
+      </p:grpSpPr>
+      <p:sp>
+        <p:nvSpPr>
+          <p:cNvPr id="2" name="Title 1">
+            <a:extLst>
+              <a:ext uri="{FF2B5EF4-FFF2-40B4-BE49-F238E27FC236}">
+                <a16:creationId xmlns:a16="http://schemas.microsoft.com/office/drawing/2014/main" id="{650CC9C5-EF9B-47F2-B54D-1D2D94566C31}"/>
+              </a:ext>
+            </a:extLst>
+          </p:cNvPr>
+          <p:cNvSpPr>
+            <a:spLocks noGrp="1"/>
+          </p:cNvSpPr>
+          <p:nvPr>
+            <p:ph type="title"/>
+          </p:nvPr>
+        </p:nvSpPr>
+        <p:spPr/>
+        <p:txBody>
+          <a:bodyPr/>
+          <a:lstStyle/>
+          <a:p>
+            <a:r>
+              <a:rPr lang="en-IN" dirty="0"/>
+              <a:t>Apex Triggers Best Practices</a:t>
+            </a:r>
+          </a:p>
+        </p:txBody>
+      </p:sp>
+      <p:sp>
+        <p:nvSpPr>
+          <p:cNvPr id="3" name="Content Placeholder 2">
+            <a:extLst>
+              <a:ext uri="{FF2B5EF4-FFF2-40B4-BE49-F238E27FC236}">
+                <a16:creationId xmlns:a16="http://schemas.microsoft.com/office/drawing/2014/main" id="{0CA506FE-0E50-485C-A5EB-B554FE9CA93E}"/>
+              </a:ext>
+            </a:extLst>
+          </p:cNvPr>
+          <p:cNvSpPr>
+            <a:spLocks noGrp="1"/>
+          </p:cNvSpPr>
+          <p:nvPr>
+            <p:ph idx="1"/>
+          </p:nvPr>
+        </p:nvSpPr>
+        <p:spPr/>
+        <p:txBody>
+          <a:bodyPr>
+            <a:normAutofit/>
+          </a:bodyPr>
+          <a:lstStyle/>
+          <a:p>
+            <a:r>
+              <a:rPr lang="en-IN" sz="1800" dirty="0"/>
+              <a:t>Every sObject whether custom or standard should have only one Trigger associated with it.</a:t>
+            </a:r>
+          </a:p>
+          <a:p>
+            <a:r>
+              <a:rPr lang="en-IN" sz="1800" dirty="0"/>
+              <a:t>Do NOT write any business logic inside a triggers. Always use a Apex Handler class to write the logic.</a:t>
+            </a:r>
+          </a:p>
+          <a:p>
+            <a:r>
+              <a:rPr lang="en-IN" sz="1800" dirty="0"/>
+              <a:t>Always include sObject name while Naming trigger.</a:t>
+            </a:r>
+          </a:p>
+          <a:p>
+            <a:r>
+              <a:rPr lang="en-IN" sz="1800" dirty="0"/>
+              <a:t>All triggers must have at least 1% of code coverage.</a:t>
+            </a:r>
+          </a:p>
+          <a:p>
+            <a:r>
+              <a:rPr lang="en-IN" sz="1800" dirty="0"/>
+              <a:t>Bulkify your code. So that code can handle multiple records at a time.</a:t>
+            </a:r>
+          </a:p>
+          <a:p>
+            <a:pPr marL="0" indent="0">
+              <a:buNone/>
+            </a:pPr>
+            <a:endParaRPr lang="en-IN" sz="1800" dirty="0"/>
+          </a:p>
+          <a:p>
+            <a:endParaRPr lang="en-IN" sz="1800" dirty="0"/>
+          </a:p>
+        </p:txBody>
+      </p:sp>
+    </p:spTree>
+    <p:extLst>
+      <p:ext uri="{BB962C8B-B14F-4D97-AF65-F5344CB8AC3E}">
+        <p14:creationId xmlns:p14="http://schemas.microsoft.com/office/powerpoint/2010/main" val="1911049470"/>
+      </p:ext>
+    </p:extLst>
+  </p:cSld>
+  <p:clrMapOvr>
+    <a:masterClrMapping/>
+  </p:clrMapOvr>
+  <p:timing>
+    <p:tnLst>
+      <p:par>
+        <p:cTn id="1" dur="indefinite" restart="never" nodeType="tmRoot">
+          <p:childTnLst>
+            <p:seq concurrent="1" nextAc="seek">
+              <p:cTn id="2" dur="indefinite" nodeType="mainSeq">
+                <p:childTnLst>
+                  <p:par>
+                    <p:cTn id="3" fill="hold">
+                      <p:stCondLst>
+                        <p:cond delay="indefinite"/>
+                      </p:stCondLst>
+                      <p:childTnLst>
+                        <p:par>
+                          <p:cTn id="4" fill="hold">
+                            <p:stCondLst>
+                              <p:cond delay="0"/>
+                            </p:stCondLst>
+                            <p:childTnLst>
+                              <p:par>
+                                <p:cTn id="5" presetID="10" presetClass="entr" presetSubtype="0" fill="hold" grpId="0" nodeType="clickEffect">
+                                  <p:stCondLst>
+                                    <p:cond delay="0"/>
+                                  </p:stCondLst>
+                                  <p:childTnLst>
+                                    <p:set>
+                                      <p:cBhvr>
+                                        <p:cTn id="6" dur="1" fill="hold">
+                                          <p:stCondLst>
+                                            <p:cond delay="0"/>
+                                          </p:stCondLst>
+                                        </p:cTn>
+                                        <p:tgtEl>
+                                          <p:spTgt spid="3">
+                                            <p:txEl>
+                                              <p:pRg st="0" end="0"/>
+                                            </p:txEl>
+                                          </p:spTgt>
+                                        </p:tgtEl>
+                                        <p:attrNameLst>
+                                          <p:attrName>style.visibility</p:attrName>
+                                        </p:attrNameLst>
+                                      </p:cBhvr>
+                                      <p:to>
+                                        <p:strVal val="visible"/>
+                                      </p:to>
+                                    </p:set>
+                                    <p:animEffect transition="in" filter="fade">
+                                      <p:cBhvr>
+                                        <p:cTn id="7" dur="500"/>
+                                        <p:tgtEl>
+                                          <p:spTgt spid="3">
+                                            <p:txEl>
+                                              <p:pRg st="0" end="0"/>
+                                            </p:txEl>
+                                          </p:spTgt>
+                                        </p:tgtEl>
+                                      </p:cBhvr>
+                                    </p:animEffect>
+                                  </p:childTnLst>
+                                </p:cTn>
+                              </p:par>
+                            </p:childTnLst>
+                          </p:cTn>
+                        </p:par>
+                      </p:childTnLst>
+                    </p:cTn>
+                  </p:par>
+                  <p:par>
+                    <p:cTn id="8" fill="hold">
+                      <p:stCondLst>
+                        <p:cond delay="indefinite"/>
+                      </p:stCondLst>
+                      <p:childTnLst>
+                        <p:par>
+                          <p:cTn id="9" fill="hold">
+                            <p:stCondLst>
+                              <p:cond delay="0"/>
+                            </p:stCondLst>
+                            <p:childTnLst>
+                              <p:par>
+                                <p:cTn id="10" presetID="16" presetClass="entr" presetSubtype="21" fill="hold" grpId="0" nodeType="clickEffect">
+                                  <p:stCondLst>
+                                    <p:cond delay="0"/>
+                                  </p:stCondLst>
+                                  <p:childTnLst>
+                                    <p:set>
+                                      <p:cBhvr>
+                                        <p:cTn id="11" dur="1" fill="hold">
+                                          <p:stCondLst>
+                                            <p:cond delay="0"/>
+                                          </p:stCondLst>
+                                        </p:cTn>
+                                        <p:tgtEl>
+                                          <p:spTgt spid="3">
+                                            <p:txEl>
+                                              <p:pRg st="1" end="1"/>
+                                            </p:txEl>
+                                          </p:spTgt>
+                                        </p:tgtEl>
+                                        <p:attrNameLst>
+                                          <p:attrName>style.visibility</p:attrName>
+                                        </p:attrNameLst>
+                                      </p:cBhvr>
+                                      <p:to>
+                                        <p:strVal val="visible"/>
+                                      </p:to>
+                                    </p:set>
+                                    <p:animEffect transition="in" filter="barn(inVertical)">
+                                      <p:cBhvr>
+                                        <p:cTn id="12" dur="500"/>
+                                        <p:tgtEl>
+                                          <p:spTgt spid="3">
+                                            <p:txEl>
+                                              <p:pRg st="1" end="1"/>
+                                            </p:txEl>
+                                          </p:spTgt>
+                                        </p:tgtEl>
+                                      </p:cBhvr>
+                                    </p:animEffect>
+                                  </p:childTnLst>
+                                </p:cTn>
+                              </p:par>
+                            </p:childTnLst>
+                          </p:cTn>
+                        </p:par>
+                      </p:childTnLst>
+                    </p:cTn>
+                  </p:par>
+                  <p:par>
+                    <p:cTn id="13" fill="hold">
+                      <p:stCondLst>
+                        <p:cond delay="indefinite"/>
+                      </p:stCondLst>
+                      <p:childTnLst>
+                        <p:par>
+                          <p:cTn id="14" fill="hold">
+                            <p:stCondLst>
+                              <p:cond delay="0"/>
+                            </p:stCondLst>
+                            <p:childTnLst>
+                              <p:par>
+                                <p:cTn id="15" presetID="2" presetClass="entr" presetSubtype="4" fill="hold" grpId="0" nodeType="clickEffect">
+                                  <p:stCondLst>
+                                    <p:cond delay="0"/>
+                                  </p:stCondLst>
+                                  <p:childTnLst>
+                                    <p:set>
+                                      <p:cBhvr>
+                                        <p:cTn id="16" dur="1" fill="hold">
+                                          <p:stCondLst>
+                                            <p:cond delay="0"/>
+                                          </p:stCondLst>
+                                        </p:cTn>
+                                        <p:tgtEl>
+                                          <p:spTgt spid="3">
+                                            <p:txEl>
+                                              <p:pRg st="2" end="2"/>
+                                            </p:txEl>
+                                          </p:spTgt>
+                                        </p:tgtEl>
+                                        <p:attrNameLst>
+                                          <p:attrName>style.visibility</p:attrName>
+                                        </p:attrNameLst>
+                                      </p:cBhvr>
+                                      <p:to>
+                                        <p:strVal val="visible"/>
+                                      </p:to>
+                                    </p:set>
+                                    <p:anim calcmode="lin" valueType="num">
+                                      <p:cBhvr additive="base">
+                                        <p:cTn id="17" dur="500" fill="hold"/>
+                                        <p:tgtEl>
+                                          <p:spTgt spid="3">
+                                            <p:txEl>
+                                              <p:pRg st="2" end="2"/>
+                                            </p:txEl>
+                                          </p:spTgt>
+                                        </p:tgtEl>
+                                        <p:attrNameLst>
+                                          <p:attrName>ppt_x</p:attrName>
+                                        </p:attrNameLst>
+                                      </p:cBhvr>
+                                      <p:tavLst>
+                                        <p:tav tm="0">
+                                          <p:val>
+                                            <p:strVal val="#ppt_x"/>
+                                          </p:val>
+                                        </p:tav>
+                                        <p:tav tm="100000">
+                                          <p:val>
+                                            <p:strVal val="#ppt_x"/>
+                                          </p:val>
+                                        </p:tav>
+                                      </p:tavLst>
+                                    </p:anim>
+                                    <p:anim calcmode="lin" valueType="num">
+                                      <p:cBhvr additive="base">
+                                        <p:cTn id="18" dur="500" fill="hold"/>
+                                        <p:tgtEl>
+                                          <p:spTgt spid="3">
+                                            <p:txEl>
+                                              <p:pRg st="2" end="2"/>
+                                            </p:txEl>
+                                          </p:spTgt>
+                                        </p:tgtEl>
+                                        <p:attrNameLst>
+                                          <p:attrName>ppt_y</p:attrName>
+                                        </p:attrNameLst>
+                                      </p:cBhvr>
+                                      <p:tavLst>
+                                        <p:tav tm="0">
+                                          <p:val>
+                                            <p:strVal val="1+#ppt_h/2"/>
+                                          </p:val>
+                                        </p:tav>
+                                        <p:tav tm="100000">
+                                          <p:val>
+                                            <p:strVal val="#ppt_y"/>
+                                          </p:val>
+                                        </p:tav>
+                                      </p:tavLst>
+                                    </p:anim>
+                                  </p:childTnLst>
+                                </p:cTn>
+                              </p:par>
+                            </p:childTnLst>
+                          </p:cTn>
+                        </p:par>
+                      </p:childTnLst>
+                    </p:cTn>
+                  </p:par>
+                  <p:par>
+                    <p:cTn id="19" fill="hold">
+                      <p:stCondLst>
+                        <p:cond delay="indefinite"/>
+                      </p:stCondLst>
+                      <p:childTnLst>
+                        <p:par>
+                          <p:cTn id="20" fill="hold">
+                            <p:stCondLst>
+                              <p:cond delay="0"/>
+                            </p:stCondLst>
+                            <p:childTnLst>
+                              <p:par>
+                                <p:cTn id="21" presetID="1" presetClass="entr" presetSubtype="0" fill="hold" grpId="0" nodeType="clickEffect">
+                                  <p:stCondLst>
+                                    <p:cond delay="0"/>
+                                  </p:stCondLst>
+                                  <p:childTnLst>
+                                    <p:set>
+                                      <p:cBhvr>
+                                        <p:cTn id="22" dur="1" fill="hold">
+                                          <p:stCondLst>
+                                            <p:cond delay="0"/>
+                                          </p:stCondLst>
+                                        </p:cTn>
+                                        <p:tgtEl>
+                                          <p:spTgt spid="3">
+                                            <p:txEl>
+                                              <p:pRg st="3" end="3"/>
+                                            </p:txEl>
+                                          </p:spTgt>
+                                        </p:tgtEl>
+                                        <p:attrNameLst>
+                                          <p:attrName>style.visibility</p:attrName>
+                                        </p:attrNameLst>
+                                      </p:cBhvr>
+                                      <p:to>
+                                        <p:strVal val="visible"/>
+                                      </p:to>
+                                    </p:set>
+                                  </p:childTnLst>
+                                </p:cTn>
+                              </p:par>
+                            </p:childTnLst>
+                          </p:cTn>
+                        </p:par>
+                      </p:childTnLst>
+                    </p:cTn>
+                  </p:par>
+                  <p:par>
+                    <p:cTn id="23" fill="hold">
+                      <p:stCondLst>
+                        <p:cond delay="indefinite"/>
+                      </p:stCondLst>
+                      <p:childTnLst>
+                        <p:par>
+                          <p:cTn id="24" fill="hold">
+                            <p:stCondLst>
+                              <p:cond delay="0"/>
+                            </p:stCondLst>
+                            <p:childTnLst>
+                              <p:par>
+                                <p:cTn id="25" presetID="42" presetClass="entr" presetSubtype="0" fill="hold" grpId="0" nodeType="clickEffect">
+                                  <p:stCondLst>
+                                    <p:cond delay="0"/>
+                                  </p:stCondLst>
+                                  <p:childTnLst>
+                                    <p:set>
+                                      <p:cBhvr>
+                                        <p:cTn id="26" dur="1" fill="hold">
+                                          <p:stCondLst>
+                                            <p:cond delay="0"/>
+                                          </p:stCondLst>
+                                        </p:cTn>
+                                        <p:tgtEl>
+                                          <p:spTgt spid="3">
+                                            <p:txEl>
+                                              <p:pRg st="4" end="4"/>
+                                            </p:txEl>
+                                          </p:spTgt>
+                                        </p:tgtEl>
+                                        <p:attrNameLst>
+                                          <p:attrName>style.visibility</p:attrName>
+                                        </p:attrNameLst>
+                                      </p:cBhvr>
+                                      <p:to>
+                                        <p:strVal val="visible"/>
+                                      </p:to>
+                                    </p:set>
+                                    <p:animEffect transition="in" filter="fade">
+                                      <p:cBhvr>
+                                        <p:cTn id="27" dur="1000"/>
+                                        <p:tgtEl>
+                                          <p:spTgt spid="3">
+                                            <p:txEl>
+                                              <p:pRg st="4" end="4"/>
+                                            </p:txEl>
+                                          </p:spTgt>
+                                        </p:tgtEl>
+                                      </p:cBhvr>
+                                    </p:animEffect>
+                                    <p:anim calcmode="lin" valueType="num">
+                                      <p:cBhvr>
+                                        <p:cTn id="28" dur="1000" fill="hold"/>
+                                        <p:tgtEl>
+                                          <p:spTgt spid="3">
+                                            <p:txEl>
+                                              <p:pRg st="4" end="4"/>
+                                            </p:txEl>
+                                          </p:spTgt>
+                                        </p:tgtEl>
+                                        <p:attrNameLst>
+                                          <p:attrName>ppt_x</p:attrName>
+                                        </p:attrNameLst>
+                                      </p:cBhvr>
+                                      <p:tavLst>
+                                        <p:tav tm="0">
+                                          <p:val>
+                                            <p:strVal val="#ppt_x"/>
+                                          </p:val>
+                                        </p:tav>
+                                        <p:tav tm="100000">
+                                          <p:val>
+                                            <p:strVal val="#ppt_x"/>
+                                          </p:val>
+                                        </p:tav>
+                                      </p:tavLst>
+                                    </p:anim>
+                                    <p:anim calcmode="lin" valueType="num">
+                                      <p:cBhvr>
+                                        <p:cTn id="29" dur="1000" fill="hold"/>
+                                        <p:tgtEl>
+                                          <p:spTgt spid="3">
+                                            <p:txEl>
+                                              <p:pRg st="4" end="4"/>
+                                            </p:txEl>
+                                          </p:spTgt>
+                                        </p:tgtEl>
+                                        <p:attrNameLst>
+                                          <p:attrName>ppt_y</p:attrName>
+                                        </p:attrNameLst>
+                                      </p:cBhvr>
+                                      <p:tavLst>
+                                        <p:tav tm="0">
+                                          <p:val>
+                                            <p:strVal val="#ppt_y+.1"/>
+                                          </p:val>
+                                        </p:tav>
+                                        <p:tav tm="100000">
+                                          <p:val>
+                                            <p:strVal val="#ppt_y"/>
+                                          </p:val>
+                                        </p:tav>
+                                      </p:tavLst>
+                                    </p:anim>
+                                  </p:childTnLst>
+                                </p:cTn>
+                              </p:par>
+                            </p:childTnLst>
+                          </p:cTn>
+                        </p:par>
+                      </p:childTnLst>
+                    </p:cTn>
+                  </p:par>
+                </p:childTnLst>
+              </p:cTn>
+              <p:prevCondLst>
+                <p:cond evt="onPrev" delay="0">
+                  <p:tgtEl>
+                    <p:sldTgt/>
+                  </p:tgtEl>
+                </p:cond>
+              </p:prevCondLst>
+              <p:nextCondLst>
+                <p:cond evt="onNext" delay="0">
+                  <p:tgtEl>
+                    <p:sldTgt/>
+                  </p:tgtEl>
+                </p:cond>
+              </p:nextCondLst>
+            </p:seq>
+          </p:childTnLst>
+        </p:cTn>
+      </p:par>
+    </p:tnLst>
+    <p:bldLst>
+      <p:bldP spid="3" grpId="0" uiExpand="1" build="p"/>
+    </p:bldLst>
+  </p:timing>
+</p:sld>
+</file>
+
+<file path=ppt/slides/slide7.xml><?xml version="1.0" encoding="utf-8"?>
+<p:sld xmlns:a="http://schemas.openxmlformats.org/drawingml/2006/main" xmlns:r="http://schemas.openxmlformats.org/officeDocument/2006/relationships" xmlns:p="http://schemas.openxmlformats.org/presentationml/2006/main">
+  <p:cSld>
+    <p:spTree>
+      <p:nvGrpSpPr>
+        <p:cNvPr id="1" name=""/>
+        <p:cNvGrpSpPr/>
+        <p:nvPr/>
+      </p:nvGrpSpPr>
+      <p:grpSpPr>
+        <a:xfrm>
+          <a:off x="0" y="0"/>
+          <a:ext cx="0" cy="0"/>
+          <a:chOff x="0" y="0"/>
+          <a:chExt cx="0" cy="0"/>
+        </a:xfrm>
+      </p:grpSpPr>
+      <p:sp>
+        <p:nvSpPr>
+          <p:cNvPr id="2" name="Title 1">
+            <a:extLst>
+              <a:ext uri="{FF2B5EF4-FFF2-40B4-BE49-F238E27FC236}">
+                <a16:creationId xmlns:a16="http://schemas.microsoft.com/office/drawing/2014/main" id="{78FCADB6-97C9-4204-8420-A658C5805A1F}"/>
+              </a:ext>
+            </a:extLst>
+          </p:cNvPr>
+          <p:cNvSpPr>
+            <a:spLocks noGrp="1"/>
+          </p:cNvSpPr>
+          <p:nvPr>
+            <p:ph type="title"/>
+          </p:nvPr>
+        </p:nvSpPr>
+        <p:spPr/>
+        <p:txBody>
+          <a:bodyPr/>
+          <a:lstStyle/>
+          <a:p>
+            <a:r>
+              <a:rPr lang="en-IN" dirty="0"/>
+              <a:t>Basic Trigger Scenarios</a:t>
+            </a:r>
+          </a:p>
+        </p:txBody>
+      </p:sp>
+      <p:sp>
+        <p:nvSpPr>
+          <p:cNvPr id="3" name="Content Placeholder 2">
+            <a:extLst>
+              <a:ext uri="{FF2B5EF4-FFF2-40B4-BE49-F238E27FC236}">
+                <a16:creationId xmlns:a16="http://schemas.microsoft.com/office/drawing/2014/main" id="{F73DCCD8-1E49-44B7-95E5-46F4A165213F}"/>
+              </a:ext>
+            </a:extLst>
+          </p:cNvPr>
+          <p:cNvSpPr>
+            <a:spLocks noGrp="1"/>
+          </p:cNvSpPr>
+          <p:nvPr>
+            <p:ph idx="1"/>
+          </p:nvPr>
+        </p:nvSpPr>
+        <p:spPr/>
+        <p:txBody>
+          <a:bodyPr/>
+          <a:lstStyle/>
+          <a:p>
+            <a:r>
+              <a:rPr lang="en-IN" dirty="0"/>
+              <a:t>Whenever an Account is created then the Name should be prepended with </a:t>
+            </a:r>
+            <a:r>
+              <a:rPr lang="en-IN" dirty="0" err="1"/>
+              <a:t>Dr.</a:t>
+            </a:r>
+            <a:endParaRPr lang="en-IN" dirty="0"/>
+          </a:p>
+          <a:p>
+            <a:r>
+              <a:rPr lang="en-IN" dirty="0"/>
+              <a:t>Whenever an Account is created with Industry as ‘</a:t>
+            </a:r>
+            <a:r>
+              <a:rPr lang="en-IN" b="0" i="0" dirty="0">
+                <a:solidFill>
+                  <a:srgbClr val="181818"/>
+                </a:solidFill>
+                <a:effectLst/>
+                <a:latin typeface="-apple-system"/>
+              </a:rPr>
+              <a:t>Telecommunications’ , create a Contact record with </a:t>
+            </a:r>
+            <a:r>
+              <a:rPr lang="en-IN" b="0" i="0" dirty="0" err="1">
+                <a:solidFill>
+                  <a:srgbClr val="181818"/>
+                </a:solidFill>
+                <a:effectLst/>
+                <a:latin typeface="-apple-system"/>
+              </a:rPr>
+              <a:t>lastName</a:t>
+            </a:r>
+            <a:r>
+              <a:rPr lang="en-IN" b="0" i="0" dirty="0">
+                <a:solidFill>
+                  <a:srgbClr val="181818"/>
+                </a:solidFill>
+                <a:effectLst/>
+                <a:latin typeface="-apple-system"/>
+              </a:rPr>
+              <a:t> as Accou</a:t>
+            </a:r>
+            <a:r>
+              <a:rPr lang="en-IN" dirty="0">
+                <a:solidFill>
+                  <a:srgbClr val="181818"/>
+                </a:solidFill>
+                <a:latin typeface="-apple-system"/>
+              </a:rPr>
+              <a:t>nt Name and contact </a:t>
+            </a:r>
+            <a:r>
+              <a:rPr lang="en-IN" dirty="0" err="1">
+                <a:solidFill>
+                  <a:srgbClr val="181818"/>
+                </a:solidFill>
+                <a:latin typeface="-apple-system"/>
+              </a:rPr>
+              <a:t>otherPhone</a:t>
+            </a:r>
+            <a:r>
+              <a:rPr lang="en-IN" dirty="0">
+                <a:solidFill>
+                  <a:srgbClr val="181818"/>
+                </a:solidFill>
+                <a:latin typeface="-apple-system"/>
+              </a:rPr>
+              <a:t> as Account’s Phone.</a:t>
+            </a:r>
+            <a:endParaRPr lang="en-IN" dirty="0"/>
+          </a:p>
+        </p:txBody>
+      </p:sp>
+    </p:spTree>
+    <p:extLst>
+      <p:ext uri="{BB962C8B-B14F-4D97-AF65-F5344CB8AC3E}">
+        <p14:creationId xmlns:p14="http://schemas.microsoft.com/office/powerpoint/2010/main" val="810340048"/>
+      </p:ext>
+    </p:extLst>
+  </p:cSld>
+  <p:clrMapOvr>
+    <a:masterClrMapping/>
+  </p:clrMapOvr>
+</p:sld>
+</file>
+
 <file path=ppt/theme/theme1.xml><?xml version="1.0" encoding="utf-8"?>
 <a:theme xmlns:a="http://schemas.openxmlformats.org/drawingml/2006/main" name="SavonVTI">
   <a:themeElements>
